--- a/Video Presentation.pptx
+++ b/Video Presentation.pptx
@@ -7,7 +7,9 @@
   <p:sldIdLst>
     <p:sldId id="256" r:id="rId2"/>
     <p:sldId id="257" r:id="rId3"/>
-    <p:sldId id="258" r:id="rId4"/>
+    <p:sldId id="259" r:id="rId4"/>
+    <p:sldId id="258" r:id="rId5"/>
+    <p:sldId id="260" r:id="rId6"/>
   </p:sldIdLst>
   <p:sldSz cx="9144000" cy="6858000" type="screen4x3"/>
   <p:notesSz cx="6858000" cy="9144000"/>
@@ -329,7 +331,7 @@
             <a:fld id="{0C6F4589-DF42-41C2-B895-5592D370E2C9}" type="datetime1">
               <a:rPr lang="en-US" smtClean="0"/>
               <a:pPr/>
-              <a:t>12/9/12</a:t>
+              <a:t>12/10/12</a:t>
             </a:fld>
             <a:endParaRPr lang="en-US"/>
           </a:p>
@@ -656,7 +658,8 @@
           <a:p>
             <a:fld id="{84620CD4-34DA-454A-B9F2-7286085C3C46}" type="datetimeFigureOut">
               <a:rPr lang="en-US" smtClean="0"/>
-              <a:t>12/9/12</a:t>
+              <a:pPr/>
+              <a:t>12/10/12</a:t>
             </a:fld>
             <a:endParaRPr lang="en-US"/>
           </a:p>
@@ -698,6 +701,7 @@
           <a:p>
             <a:fld id="{A13DC01F-C702-BE4A-8F70-95033BEB77D3}" type="slidenum">
               <a:rPr lang="en-US" smtClean="0"/>
+              <a:pPr/>
               <a:t>‹#›</a:t>
             </a:fld>
             <a:endParaRPr lang="en-US"/>
@@ -930,7 +934,8 @@
           <a:p>
             <a:fld id="{84620CD4-34DA-454A-B9F2-7286085C3C46}" type="datetimeFigureOut">
               <a:rPr lang="en-US" smtClean="0"/>
-              <a:t>12/9/12</a:t>
+              <a:pPr/>
+              <a:t>12/10/12</a:t>
             </a:fld>
             <a:endParaRPr lang="en-US"/>
           </a:p>
@@ -1221,7 +1226,8 @@
           <a:p>
             <a:fld id="{84620CD4-34DA-454A-B9F2-7286085C3C46}" type="datetimeFigureOut">
               <a:rPr lang="en-US" smtClean="0"/>
-              <a:t>12/9/12</a:t>
+              <a:pPr/>
+              <a:t>12/10/12</a:t>
             </a:fld>
             <a:endParaRPr lang="en-US"/>
           </a:p>
@@ -1547,7 +1553,8 @@
           <a:p>
             <a:fld id="{84620CD4-34DA-454A-B9F2-7286085C3C46}" type="datetimeFigureOut">
               <a:rPr lang="en-US" smtClean="0"/>
-              <a:t>12/9/12</a:t>
+              <a:pPr/>
+              <a:t>12/10/12</a:t>
             </a:fld>
             <a:endParaRPr lang="en-US"/>
           </a:p>
@@ -1794,7 +1801,8 @@
           <a:p>
             <a:fld id="{84620CD4-34DA-454A-B9F2-7286085C3C46}" type="datetimeFigureOut">
               <a:rPr lang="en-US" smtClean="0"/>
-              <a:t>12/9/12</a:t>
+              <a:pPr/>
+              <a:t>12/10/12</a:t>
             </a:fld>
             <a:endParaRPr lang="en-US"/>
           </a:p>
@@ -1836,6 +1844,7 @@
           <a:p>
             <a:fld id="{A13DC01F-C702-BE4A-8F70-95033BEB77D3}" type="slidenum">
               <a:rPr lang="en-US" smtClean="0"/>
+              <a:pPr/>
               <a:t>‹#›</a:t>
             </a:fld>
             <a:endParaRPr lang="en-US"/>
@@ -1969,7 +1978,8 @@
           <a:p>
             <a:fld id="{84620CD4-34DA-454A-B9F2-7286085C3C46}" type="datetimeFigureOut">
               <a:rPr lang="en-US" smtClean="0"/>
-              <a:t>12/9/12</a:t>
+              <a:pPr/>
+              <a:t>12/10/12</a:t>
             </a:fld>
             <a:endParaRPr lang="en-US"/>
           </a:p>
@@ -2011,6 +2021,7 @@
           <a:p>
             <a:fld id="{A13DC01F-C702-BE4A-8F70-95033BEB77D3}" type="slidenum">
               <a:rPr lang="en-US" smtClean="0"/>
+              <a:pPr/>
               <a:t>‹#›</a:t>
             </a:fld>
             <a:endParaRPr lang="en-US"/>
@@ -2134,7 +2145,8 @@
           <a:p>
             <a:fld id="{84620CD4-34DA-454A-B9F2-7286085C3C46}" type="datetimeFigureOut">
               <a:rPr lang="en-US" smtClean="0"/>
-              <a:t>12/9/12</a:t>
+              <a:pPr/>
+              <a:t>12/10/12</a:t>
             </a:fld>
             <a:endParaRPr lang="en-US"/>
           </a:p>
@@ -2176,6 +2188,7 @@
           <a:p>
             <a:fld id="{A13DC01F-C702-BE4A-8F70-95033BEB77D3}" type="slidenum">
               <a:rPr lang="en-US" smtClean="0"/>
+              <a:pPr/>
               <a:t>‹#›</a:t>
             </a:fld>
             <a:endParaRPr lang="en-US"/>
@@ -2404,7 +2417,7 @@
             <a:fld id="{6FE67B53-DECA-4816-9841-75CC0A6F36DD}" type="datetime1">
               <a:rPr lang="en-US" smtClean="0"/>
               <a:pPr/>
-              <a:t>12/9/12</a:t>
+              <a:t>12/10/12</a:t>
             </a:fld>
             <a:endParaRPr lang="en-US"/>
           </a:p>
@@ -2717,7 +2730,7 @@
             <a:fld id="{94173B8C-6A70-445C-A3D4-ECC9249BC59A}" type="datetime1">
               <a:rPr lang="en-US" smtClean="0"/>
               <a:pPr/>
-              <a:t>12/9/12</a:t>
+              <a:t>12/10/12</a:t>
             </a:fld>
             <a:endParaRPr lang="en-US"/>
           </a:p>
@@ -3015,7 +3028,8 @@
           <a:p>
             <a:fld id="{84620CD4-34DA-454A-B9F2-7286085C3C46}" type="datetimeFigureOut">
               <a:rPr lang="en-US" smtClean="0"/>
-              <a:t>12/9/12</a:t>
+              <a:pPr/>
+              <a:t>12/10/12</a:t>
             </a:fld>
             <a:endParaRPr lang="en-US"/>
           </a:p>
@@ -3057,6 +3071,7 @@
           <a:p>
             <a:fld id="{A13DC01F-C702-BE4A-8F70-95033BEB77D3}" type="slidenum">
               <a:rPr lang="en-US" smtClean="0"/>
+              <a:pPr/>
               <a:t>‹#›</a:t>
             </a:fld>
             <a:endParaRPr lang="en-US"/>
@@ -3445,7 +3460,8 @@
           <a:p>
             <a:fld id="{84620CD4-34DA-454A-B9F2-7286085C3C46}" type="datetimeFigureOut">
               <a:rPr lang="en-US" smtClean="0"/>
-              <a:t>12/9/12</a:t>
+              <a:pPr/>
+              <a:t>12/10/12</a:t>
             </a:fld>
             <a:endParaRPr lang="en-US"/>
           </a:p>
@@ -3492,6 +3508,7 @@
           <a:p>
             <a:fld id="{A13DC01F-C702-BE4A-8F70-95033BEB77D3}" type="slidenum">
               <a:rPr lang="en-US" smtClean="0"/>
+              <a:pPr/>
               <a:t>‹#›</a:t>
             </a:fld>
             <a:endParaRPr lang="en-US"/>
@@ -3791,7 +3808,8 @@
           <a:p>
             <a:fld id="{84620CD4-34DA-454A-B9F2-7286085C3C46}" type="datetimeFigureOut">
               <a:rPr lang="en-US" smtClean="0"/>
-              <a:t>12/9/12</a:t>
+              <a:pPr/>
+              <a:t>12/10/12</a:t>
             </a:fld>
             <a:endParaRPr lang="en-US"/>
           </a:p>
@@ -3833,6 +3851,7 @@
           <a:p>
             <a:fld id="{A13DC01F-C702-BE4A-8F70-95033BEB77D3}" type="slidenum">
               <a:rPr lang="en-US" smtClean="0"/>
+              <a:pPr/>
               <a:t>‹#›</a:t>
             </a:fld>
             <a:endParaRPr lang="en-US"/>
@@ -3881,7 +3900,8 @@
           <a:p>
             <a:fld id="{84620CD4-34DA-454A-B9F2-7286085C3C46}" type="datetimeFigureOut">
               <a:rPr lang="en-US" smtClean="0"/>
-              <a:t>12/9/12</a:t>
+              <a:pPr/>
+              <a:t>12/10/12</a:t>
             </a:fld>
             <a:endParaRPr lang="en-US"/>
           </a:p>
@@ -3923,6 +3943,7 @@
           <a:p>
             <a:fld id="{A13DC01F-C702-BE4A-8F70-95033BEB77D3}" type="slidenum">
               <a:rPr lang="en-US" smtClean="0"/>
+              <a:pPr/>
               <a:t>‹#›</a:t>
             </a:fld>
             <a:endParaRPr lang="en-US"/>
@@ -4218,7 +4239,8 @@
           <a:p>
             <a:fld id="{84620CD4-34DA-454A-B9F2-7286085C3C46}" type="datetimeFigureOut">
               <a:rPr lang="en-US" smtClean="0"/>
-              <a:t>12/9/12</a:t>
+              <a:pPr/>
+              <a:t>12/10/12</a:t>
             </a:fld>
             <a:endParaRPr lang="en-US"/>
           </a:p>
@@ -4260,6 +4282,7 @@
           <a:p>
             <a:fld id="{A13DC01F-C702-BE4A-8F70-95033BEB77D3}" type="slidenum">
               <a:rPr lang="en-US" smtClean="0"/>
+              <a:pPr/>
               <a:t>‹#›</a:t>
             </a:fld>
             <a:endParaRPr lang="en-US"/>
@@ -4430,7 +4453,8 @@
           <a:p>
             <a:fld id="{84620CD4-34DA-454A-B9F2-7286085C3C46}" type="datetimeFigureOut">
               <a:rPr lang="en-US" smtClean="0"/>
-              <a:t>12/9/12</a:t>
+              <a:pPr/>
+              <a:t>12/10/12</a:t>
             </a:fld>
             <a:endParaRPr lang="en-US"/>
           </a:p>
@@ -4510,6 +4534,7 @@
           <a:p>
             <a:fld id="{A13DC01F-C702-BE4A-8F70-95033BEB77D3}" type="slidenum">
               <a:rPr lang="en-US" smtClean="0"/>
+              <a:pPr/>
               <a:t>‹#›</a:t>
             </a:fld>
             <a:endParaRPr lang="en-US"/>
@@ -4993,6 +5018,105 @@
           </a:p>
         </p:txBody>
       </p:sp>
+      <p:pic>
+        <p:nvPicPr>
+          <p:cNvPr id="17410" name="Picture 2"/>
+          <p:cNvPicPr>
+            <a:picLocks noChangeAspect="1" noChangeArrowheads="1"/>
+          </p:cNvPicPr>
+          <p:nvPr/>
+        </p:nvPicPr>
+        <p:blipFill>
+          <a:blip r:embed="rId2"/>
+          <a:srcRect/>
+          <a:stretch>
+            <a:fillRect/>
+          </a:stretch>
+        </p:blipFill>
+        <p:spPr bwMode="auto">
+          <a:xfrm>
+            <a:off x="5676900" y="176119"/>
+            <a:ext cx="2870200" cy="1981200"/>
+          </a:xfrm>
+          <a:prstGeom prst="rect">
+            <a:avLst/>
+          </a:prstGeom>
+          <a:noFill/>
+          <a:ln w="9525">
+            <a:noFill/>
+            <a:miter lim="800000"/>
+            <a:headEnd/>
+            <a:tailEnd/>
+          </a:ln>
+          <a:effectLst/>
+        </p:spPr>
+      </p:pic>
+      <p:pic>
+        <p:nvPicPr>
+          <p:cNvPr id="17411" name="Picture 3"/>
+          <p:cNvPicPr>
+            <a:picLocks noChangeAspect="1" noChangeArrowheads="1"/>
+          </p:cNvPicPr>
+          <p:nvPr/>
+        </p:nvPicPr>
+        <p:blipFill>
+          <a:blip r:embed="rId3"/>
+          <a:srcRect l="21622" t="7216" r="17761" b="10825"/>
+          <a:stretch>
+            <a:fillRect/>
+          </a:stretch>
+        </p:blipFill>
+        <p:spPr bwMode="auto">
+          <a:xfrm>
+            <a:off x="2159000" y="4013200"/>
+            <a:ext cx="1993900" cy="2019300"/>
+          </a:xfrm>
+          <a:prstGeom prst="rect">
+            <a:avLst/>
+          </a:prstGeom>
+          <a:noFill/>
+          <a:ln w="9525">
+            <a:noFill/>
+            <a:miter lim="800000"/>
+            <a:headEnd/>
+            <a:tailEnd/>
+          </a:ln>
+          <a:effectLst/>
+        </p:spPr>
+      </p:pic>
+      <p:pic>
+        <p:nvPicPr>
+          <p:cNvPr id="17412" name="Picture 4"/>
+          <p:cNvPicPr>
+            <a:picLocks noChangeAspect="1" noChangeArrowheads="1"/>
+          </p:cNvPicPr>
+          <p:nvPr/>
+        </p:nvPicPr>
+        <p:blipFill>
+          <a:blip r:embed="rId4"/>
+          <a:srcRect l="21622" t="7216" r="17761" b="10825"/>
+          <a:stretch>
+            <a:fillRect/>
+          </a:stretch>
+        </p:blipFill>
+        <p:spPr bwMode="auto">
+          <a:xfrm>
+            <a:off x="5676900" y="4013200"/>
+            <a:ext cx="1993900" cy="2019300"/>
+          </a:xfrm>
+          <a:prstGeom prst="rect">
+            <a:avLst/>
+          </a:prstGeom>
+          <a:noFill/>
+          <a:ln w="9525">
+            <a:noFill/>
+            <a:miter lim="800000"/>
+            <a:headEnd/>
+            <a:tailEnd/>
+          </a:ln>
+          <a:effectLst/>
+        </p:spPr>
+      </p:pic>
     </p:spTree>
   </p:cSld>
   <p:clrMapOvr>
@@ -5018,377 +5142,62 @@
           <a:chExt cx="0" cy="0"/>
         </a:xfrm>
       </p:grpSpPr>
-      <p:sp>
-        <p:nvSpPr>
-          <p:cNvPr id="3" name="Title 2"/>
-          <p:cNvSpPr>
-            <a:spLocks noGrp="1"/>
-          </p:cNvSpPr>
-          <p:nvPr>
-            <p:ph type="title"/>
-          </p:nvPr>
-        </p:nvSpPr>
-        <p:spPr>
-          <a:xfrm>
-            <a:off x="0" y="380806"/>
-            <a:ext cx="8913813" cy="914400"/>
-          </a:xfrm>
-        </p:spPr>
-        <p:txBody>
-          <a:bodyPr/>
-          <a:lstStyle/>
-          <a:p>
-            <a:r>
-              <a:rPr lang="en-US" dirty="0" smtClean="0"/>
-              <a:t>What is Max-Flow Min-Cut?</a:t>
-            </a:r>
-            <a:endParaRPr lang="en-US" dirty="0"/>
-          </a:p>
-        </p:txBody>
-      </p:sp>
-      <p:sp>
-        <p:nvSpPr>
-          <p:cNvPr id="2" name="Content Placeholder 1"/>
-          <p:cNvSpPr>
-            <a:spLocks noGrp="1"/>
-          </p:cNvSpPr>
-          <p:nvPr>
-            <p:ph idx="1"/>
-          </p:nvPr>
-        </p:nvSpPr>
-        <p:spPr>
-          <a:xfrm>
-            <a:off x="844191" y="1769806"/>
-            <a:ext cx="7610476" cy="3670767"/>
-          </a:xfrm>
-        </p:spPr>
-        <p:txBody>
-          <a:bodyPr/>
-          <a:lstStyle/>
-          <a:p>
-            <a:r>
-              <a:rPr lang="en-US" dirty="0" smtClean="0"/>
-              <a:t>Given a graph nodes and positive edge weights, the maximum flow is the maximum amount of capacity that can pass from the source to the sink</a:t>
-            </a:r>
-            <a:endParaRPr lang="en-US" dirty="0"/>
-          </a:p>
-        </p:txBody>
-      </p:sp>
-      <p:sp>
-        <p:nvSpPr>
-          <p:cNvPr id="4" name="Oval 3"/>
-          <p:cNvSpPr/>
+      <p:pic>
+        <p:nvPicPr>
+          <p:cNvPr id="18434" name="Picture 2"/>
+          <p:cNvPicPr>
+            <a:picLocks noChangeAspect="1" noChangeArrowheads="1"/>
+          </p:cNvPicPr>
           <p:nvPr/>
-        </p:nvSpPr>
-        <p:spPr>
-          <a:xfrm>
-            <a:off x="1013373" y="4080011"/>
-            <a:ext cx="499930" cy="486359"/>
-          </a:xfrm>
-          <a:prstGeom prst="ellipse">
-            <a:avLst/>
-          </a:prstGeom>
-        </p:spPr>
-        <p:style>
-          <a:lnRef idx="1">
-            <a:schemeClr val="accent1"/>
-          </a:lnRef>
-          <a:fillRef idx="3">
-            <a:schemeClr val="accent1"/>
-          </a:fillRef>
-          <a:effectRef idx="2">
-            <a:schemeClr val="accent1"/>
-          </a:effectRef>
-          <a:fontRef idx="minor">
-            <a:schemeClr val="lt1"/>
-          </a:fontRef>
-        </p:style>
-        <p:txBody>
-          <a:bodyPr rtlCol="0" anchor="ctr"/>
-          <a:lstStyle/>
-          <a:p>
-            <a:pPr algn="ctr"/>
-            <a:endParaRPr lang="en-US"/>
-          </a:p>
-        </p:txBody>
-      </p:sp>
-      <p:cxnSp>
-        <p:nvCxnSpPr>
-          <p:cNvPr id="6" name="Straight Arrow Connector 5"/>
-          <p:cNvCxnSpPr>
-            <a:stCxn id="4" idx="7"/>
-          </p:cNvCxnSpPr>
-          <p:nvPr/>
-        </p:nvCxnSpPr>
-        <p:spPr>
-          <a:xfrm rot="5400000" flipH="1" flipV="1">
-            <a:off x="1528939" y="3518314"/>
-            <a:ext cx="544074" cy="721772"/>
-          </a:xfrm>
-          <a:prstGeom prst="straightConnector1">
-            <a:avLst/>
-          </a:prstGeom>
-          <a:ln>
-            <a:tailEnd type="arrow"/>
-          </a:ln>
-        </p:spPr>
-        <p:style>
-          <a:lnRef idx="2">
-            <a:schemeClr val="accent1"/>
-          </a:lnRef>
-          <a:fillRef idx="0">
-            <a:schemeClr val="accent1"/>
-          </a:fillRef>
-          <a:effectRef idx="1">
-            <a:schemeClr val="accent1"/>
-          </a:effectRef>
-          <a:fontRef idx="minor">
-            <a:schemeClr val="tx1"/>
-          </a:fontRef>
-        </p:style>
-      </p:cxnSp>
-      <p:sp>
-        <p:nvSpPr>
-          <p:cNvPr id="7" name="Oval 6"/>
-          <p:cNvSpPr/>
-          <p:nvPr/>
-        </p:nvSpPr>
-        <p:spPr>
-          <a:xfrm>
-            <a:off x="2148350" y="3323453"/>
-            <a:ext cx="499930" cy="486359"/>
-          </a:xfrm>
-          <a:prstGeom prst="ellipse">
-            <a:avLst/>
-          </a:prstGeom>
-        </p:spPr>
-        <p:style>
-          <a:lnRef idx="1">
-            <a:schemeClr val="accent1"/>
-          </a:lnRef>
-          <a:fillRef idx="3">
-            <a:schemeClr val="accent1"/>
-          </a:fillRef>
-          <a:effectRef idx="2">
-            <a:schemeClr val="accent1"/>
-          </a:effectRef>
-          <a:fontRef idx="minor">
-            <a:schemeClr val="lt1"/>
-          </a:fontRef>
-        </p:style>
-        <p:txBody>
-          <a:bodyPr rtlCol="0" anchor="ctr"/>
-          <a:lstStyle/>
-          <a:p>
-            <a:pPr algn="ctr"/>
-            <a:endParaRPr lang="en-US"/>
-          </a:p>
-        </p:txBody>
-      </p:sp>
-      <p:sp>
-        <p:nvSpPr>
-          <p:cNvPr id="8" name="Oval 7"/>
-          <p:cNvSpPr/>
-          <p:nvPr/>
-        </p:nvSpPr>
-        <p:spPr>
-          <a:xfrm>
-            <a:off x="2161862" y="4742000"/>
-            <a:ext cx="499930" cy="486359"/>
-          </a:xfrm>
-          <a:prstGeom prst="ellipse">
-            <a:avLst/>
-          </a:prstGeom>
-        </p:spPr>
-        <p:style>
-          <a:lnRef idx="1">
-            <a:schemeClr val="accent1"/>
-          </a:lnRef>
-          <a:fillRef idx="3">
-            <a:schemeClr val="accent1"/>
-          </a:fillRef>
-          <a:effectRef idx="2">
-            <a:schemeClr val="accent1"/>
-          </a:effectRef>
-          <a:fontRef idx="minor">
-            <a:schemeClr val="lt1"/>
-          </a:fontRef>
-        </p:style>
-        <p:txBody>
-          <a:bodyPr rtlCol="0" anchor="ctr"/>
-          <a:lstStyle/>
-          <a:p>
-            <a:pPr algn="ctr"/>
-            <a:endParaRPr lang="en-US"/>
-          </a:p>
-        </p:txBody>
-      </p:sp>
-      <p:sp>
-        <p:nvSpPr>
-          <p:cNvPr id="9" name="Oval 8"/>
-          <p:cNvSpPr/>
-          <p:nvPr/>
-        </p:nvSpPr>
-        <p:spPr>
-          <a:xfrm>
-            <a:off x="3239813" y="4080011"/>
-            <a:ext cx="499930" cy="486359"/>
-          </a:xfrm>
-          <a:prstGeom prst="ellipse">
-            <a:avLst/>
-          </a:prstGeom>
-        </p:spPr>
-        <p:style>
-          <a:lnRef idx="1">
-            <a:schemeClr val="accent1"/>
-          </a:lnRef>
-          <a:fillRef idx="3">
-            <a:schemeClr val="accent1"/>
-          </a:fillRef>
-          <a:effectRef idx="2">
-            <a:schemeClr val="accent1"/>
-          </a:effectRef>
-          <a:fontRef idx="minor">
-            <a:schemeClr val="lt1"/>
-          </a:fontRef>
-        </p:style>
-        <p:txBody>
-          <a:bodyPr rtlCol="0" anchor="ctr"/>
-          <a:lstStyle/>
-          <a:p>
-            <a:pPr algn="ctr"/>
-            <a:endParaRPr lang="en-US"/>
-          </a:p>
-        </p:txBody>
-      </p:sp>
-      <p:cxnSp>
-        <p:nvCxnSpPr>
-          <p:cNvPr id="11" name="Straight Arrow Connector 10"/>
-          <p:cNvCxnSpPr>
-            <a:endCxn id="9" idx="1"/>
-          </p:cNvCxnSpPr>
-          <p:nvPr/>
-        </p:nvCxnSpPr>
-        <p:spPr>
-          <a:xfrm>
-            <a:off x="2648280" y="3620673"/>
-            <a:ext cx="664746" cy="530564"/>
-          </a:xfrm>
-          <a:prstGeom prst="straightConnector1">
-            <a:avLst/>
-          </a:prstGeom>
-          <a:ln>
-            <a:tailEnd type="arrow"/>
-          </a:ln>
-        </p:spPr>
-        <p:style>
-          <a:lnRef idx="2">
-            <a:schemeClr val="accent1"/>
-          </a:lnRef>
-          <a:fillRef idx="0">
-            <a:schemeClr val="accent1"/>
-          </a:fillRef>
-          <a:effectRef idx="1">
-            <a:schemeClr val="accent1"/>
-          </a:effectRef>
-          <a:fontRef idx="minor">
-            <a:schemeClr val="tx1"/>
-          </a:fontRef>
-        </p:style>
-      </p:cxnSp>
-      <p:cxnSp>
-        <p:nvCxnSpPr>
-          <p:cNvPr id="14" name="Straight Arrow Connector 13"/>
-          <p:cNvCxnSpPr/>
-          <p:nvPr/>
-        </p:nvCxnSpPr>
-        <p:spPr>
-          <a:xfrm>
-            <a:off x="1453602" y="4444780"/>
-            <a:ext cx="708260" cy="459340"/>
-          </a:xfrm>
-          <a:prstGeom prst="straightConnector1">
-            <a:avLst/>
-          </a:prstGeom>
-          <a:ln>
-            <a:tailEnd type="arrow"/>
-          </a:ln>
-        </p:spPr>
-        <p:style>
-          <a:lnRef idx="2">
-            <a:schemeClr val="accent1"/>
-          </a:lnRef>
-          <a:fillRef idx="0">
-            <a:schemeClr val="accent1"/>
-          </a:fillRef>
-          <a:effectRef idx="1">
-            <a:schemeClr val="accent1"/>
-          </a:effectRef>
-          <a:fontRef idx="minor">
-            <a:schemeClr val="tx1"/>
-          </a:fontRef>
-        </p:style>
-      </p:cxnSp>
-      <p:cxnSp>
-        <p:nvCxnSpPr>
-          <p:cNvPr id="16" name="Straight Arrow Connector 15"/>
-          <p:cNvCxnSpPr>
-            <a:endCxn id="9" idx="3"/>
-          </p:cNvCxnSpPr>
-          <p:nvPr/>
-        </p:nvCxnSpPr>
-        <p:spPr>
-          <a:xfrm flipV="1">
-            <a:off x="2661792" y="4495144"/>
-            <a:ext cx="651234" cy="408976"/>
-          </a:xfrm>
-          <a:prstGeom prst="straightConnector1">
-            <a:avLst/>
-          </a:prstGeom>
-          <a:ln>
-            <a:tailEnd type="arrow"/>
-          </a:ln>
-        </p:spPr>
-        <p:style>
-          <a:lnRef idx="2">
-            <a:schemeClr val="accent1"/>
-          </a:lnRef>
-          <a:fillRef idx="0">
-            <a:schemeClr val="accent1"/>
-          </a:fillRef>
-          <a:effectRef idx="1">
-            <a:schemeClr val="accent1"/>
-          </a:effectRef>
-          <a:fontRef idx="minor">
-            <a:schemeClr val="tx1"/>
-          </a:fontRef>
-        </p:style>
-      </p:cxnSp>
-      <p:sp>
-        <p:nvSpPr>
-          <p:cNvPr id="20" name="TextBox 19"/>
-          <p:cNvSpPr txBox="1"/>
-          <p:nvPr/>
-        </p:nvSpPr>
-        <p:spPr>
-          <a:xfrm>
-            <a:off x="1567346" y="3539612"/>
-            <a:ext cx="312593" cy="369332"/>
+        </p:nvPicPr>
+        <p:blipFill>
+          <a:blip r:embed="rId2"/>
+          <a:srcRect/>
+          <a:stretch>
+            <a:fillRect/>
+          </a:stretch>
+        </p:blipFill>
+        <p:spPr bwMode="auto">
+          <a:xfrm>
+            <a:off x="3065704" y="3551542"/>
+            <a:ext cx="5207000" cy="2588363"/>
           </a:xfrm>
           <a:prstGeom prst="rect">
             <a:avLst/>
           </a:prstGeom>
           <a:noFill/>
-        </p:spPr>
-        <p:txBody>
-          <a:bodyPr wrap="none" rtlCol="0">
-            <a:spAutoFit/>
-          </a:bodyPr>
+          <a:ln w="9525">
+            <a:noFill/>
+            <a:miter lim="800000"/>
+            <a:headEnd/>
+            <a:tailEnd/>
+          </a:ln>
+          <a:effectLst/>
+        </p:spPr>
+      </p:pic>
+      <p:sp>
+        <p:nvSpPr>
+          <p:cNvPr id="3" name="Title 2"/>
+          <p:cNvSpPr>
+            <a:spLocks noGrp="1"/>
+          </p:cNvSpPr>
+          <p:nvPr>
+            <p:ph type="title"/>
+          </p:nvPr>
+        </p:nvSpPr>
+        <p:spPr>
+          <a:xfrm>
+            <a:off x="0" y="380806"/>
+            <a:ext cx="8913813" cy="914400"/>
+          </a:xfrm>
+        </p:spPr>
+        <p:txBody>
+          <a:bodyPr/>
           <a:lstStyle/>
           <a:p>
             <a:r>
               <a:rPr lang="en-US" dirty="0" smtClean="0"/>
-              <a:t>2</a:t>
+              <a:t>What is Max-Flow Min-Cut?</a:t>
             </a:r>
             <a:endParaRPr lang="en-US" dirty="0"/>
           </a:p>
@@ -5396,14 +5205,80 @@
       </p:sp>
       <p:sp>
         <p:nvSpPr>
-          <p:cNvPr id="21" name="TextBox 20"/>
+          <p:cNvPr id="2" name="Content Placeholder 1"/>
+          <p:cNvSpPr>
+            <a:spLocks noGrp="1"/>
+          </p:cNvSpPr>
+          <p:nvPr>
+            <p:ph idx="1"/>
+          </p:nvPr>
+        </p:nvSpPr>
+        <p:spPr>
+          <a:xfrm>
+            <a:off x="844191" y="1769806"/>
+            <a:ext cx="7610476" cy="3670767"/>
+          </a:xfrm>
+        </p:spPr>
+        <p:txBody>
+          <a:bodyPr/>
+          <a:lstStyle/>
+          <a:p>
+            <a:r>
+              <a:rPr lang="en-US" dirty="0" smtClean="0"/>
+              <a:t>T</a:t>
+            </a:r>
+            <a:r>
+              <a:rPr lang="en-US" dirty="0" smtClean="0"/>
+              <a:t>he </a:t>
+            </a:r>
+            <a:r>
+              <a:rPr lang="en-US" b="1" dirty="0" smtClean="0"/>
+              <a:t>maximum flow </a:t>
+            </a:r>
+            <a:r>
+              <a:rPr lang="en-US" dirty="0" smtClean="0"/>
+              <a:t>is the maximum amount of capacity that can pass from the source to the </a:t>
+            </a:r>
+            <a:r>
+              <a:rPr lang="en-US" dirty="0" smtClean="0"/>
+              <a:t>sink</a:t>
+            </a:r>
+          </a:p>
+          <a:p>
+            <a:r>
+              <a:rPr lang="en-US" dirty="0" smtClean="0"/>
+              <a:t>The </a:t>
+            </a:r>
+            <a:r>
+              <a:rPr lang="en-US" b="1" dirty="0" smtClean="0"/>
+              <a:t>minimum</a:t>
+            </a:r>
+            <a:r>
+              <a:rPr lang="en-US" dirty="0" smtClean="0"/>
+              <a:t> </a:t>
+            </a:r>
+            <a:r>
+              <a:rPr lang="en-US" b="1" dirty="0" smtClean="0"/>
+              <a:t>cut</a:t>
+            </a:r>
+            <a:r>
+              <a:rPr lang="en-US" dirty="0" smtClean="0"/>
+              <a:t> is the set of edges with the smallest aggregate weight that can be removed from the graph so that no path exists from the source to the sink </a:t>
+            </a:r>
+            <a:endParaRPr lang="en-US" b="1" dirty="0"/>
+          </a:p>
+        </p:txBody>
+      </p:sp>
+      <p:sp>
+        <p:nvSpPr>
+          <p:cNvPr id="18" name="TextBox 17"/>
           <p:cNvSpPr txBox="1"/>
           <p:nvPr/>
         </p:nvSpPr>
         <p:spPr>
           <a:xfrm>
-            <a:off x="2932019" y="3539613"/>
-            <a:ext cx="312593" cy="369332"/>
+            <a:off x="3149600" y="6241505"/>
+            <a:ext cx="2367204" cy="369332"/>
           </a:xfrm>
           <a:prstGeom prst="rect">
             <a:avLst/>
@@ -5418,7 +5293,7 @@
           <a:p>
             <a:r>
               <a:rPr lang="en-US" dirty="0" smtClean="0"/>
-              <a:t>3</a:t>
+              <a:t>Max Flow = Min Cut</a:t>
             </a:r>
             <a:endParaRPr lang="en-US" dirty="0"/>
           </a:p>
@@ -5426,14 +5301,14 @@
       </p:sp>
       <p:sp>
         <p:nvSpPr>
-          <p:cNvPr id="22" name="TextBox 21"/>
+          <p:cNvPr id="19" name="TextBox 18"/>
           <p:cNvSpPr txBox="1"/>
           <p:nvPr/>
         </p:nvSpPr>
         <p:spPr>
           <a:xfrm>
-            <a:off x="1553836" y="4593390"/>
-            <a:ext cx="312593" cy="369332"/>
+            <a:off x="1016772" y="4636532"/>
+            <a:ext cx="1613956" cy="369332"/>
           </a:xfrm>
           <a:prstGeom prst="rect">
             <a:avLst/>
@@ -5447,67 +5322,8 @@
           <a:lstStyle/>
           <a:p>
             <a:r>
-              <a:rPr lang="en-US" dirty="0"/>
-              <a:t>2</a:t>
-            </a:r>
-          </a:p>
-        </p:txBody>
-      </p:sp>
-      <p:sp>
-        <p:nvSpPr>
-          <p:cNvPr id="23" name="TextBox 22"/>
-          <p:cNvSpPr txBox="1"/>
-          <p:nvPr/>
-        </p:nvSpPr>
-        <p:spPr>
-          <a:xfrm>
-            <a:off x="2945533" y="4620410"/>
-            <a:ext cx="312593" cy="369332"/>
-          </a:xfrm>
-          <a:prstGeom prst="rect">
-            <a:avLst/>
-          </a:prstGeom>
-          <a:noFill/>
-        </p:spPr>
-        <p:txBody>
-          <a:bodyPr wrap="none" rtlCol="0">
-            <a:spAutoFit/>
-          </a:bodyPr>
-          <a:lstStyle/>
-          <a:p>
-            <a:r>
               <a:rPr lang="en-US" dirty="0" smtClean="0"/>
-              <a:t>2</a:t>
-            </a:r>
-            <a:endParaRPr lang="en-US" dirty="0"/>
-          </a:p>
-        </p:txBody>
-      </p:sp>
-      <p:sp>
-        <p:nvSpPr>
-          <p:cNvPr id="25" name="TextBox 24"/>
-          <p:cNvSpPr txBox="1"/>
-          <p:nvPr/>
-        </p:nvSpPr>
-        <p:spPr>
-          <a:xfrm>
-            <a:off x="5242500" y="3985442"/>
-            <a:ext cx="2169509" cy="369332"/>
-          </a:xfrm>
-          <a:prstGeom prst="rect">
-            <a:avLst/>
-          </a:prstGeom>
-          <a:noFill/>
-        </p:spPr>
-        <p:txBody>
-          <a:bodyPr wrap="none" rtlCol="0">
-            <a:spAutoFit/>
-          </a:bodyPr>
-          <a:lstStyle/>
-          <a:p>
-            <a:r>
-              <a:rPr lang="en-US" dirty="0" smtClean="0"/>
-              <a:t>Maximum Flow : 4</a:t>
+              <a:t>Max Flow: 16</a:t>
             </a:r>
             <a:endParaRPr lang="en-US" dirty="0"/>
           </a:p>
@@ -5560,7 +5376,15 @@
           <a:p>
             <a:r>
               <a:rPr lang="en-US" dirty="0" smtClean="0"/>
-              <a:t>Parallelizing Max-Flow  </a:t>
+              <a:t>Motivation </a:t>
+            </a:r>
+            <a:r>
+              <a:rPr lang="en-US" dirty="0" smtClean="0"/>
+              <a:t>for </a:t>
+            </a:r>
+            <a:r>
+              <a:rPr lang="en-US" dirty="0" smtClean="0"/>
+              <a:t>MFMC</a:t>
             </a:r>
             <a:endParaRPr lang="en-US" dirty="0"/>
           </a:p>
@@ -5588,23 +5412,422 @@
           <a:p>
             <a:r>
               <a:rPr lang="en-US" dirty="0" smtClean="0"/>
-              <a:t>Using Map Reduce</a:t>
-            </a:r>
-          </a:p>
-          <a:p>
-            <a:endParaRPr lang="en-US" smtClean="0"/>
+              <a:t>Several real life applications of max-flow </a:t>
+            </a:r>
+            <a:r>
+              <a:rPr lang="en-US" dirty="0" smtClean="0"/>
+              <a:t>min-</a:t>
+            </a:r>
+            <a:r>
+              <a:rPr lang="en-US" dirty="0" smtClean="0"/>
+              <a:t>cut</a:t>
+            </a:r>
+          </a:p>
+          <a:p>
+            <a:r>
+              <a:rPr lang="en-US" dirty="0" smtClean="0"/>
+              <a:t>“Graphs” can get very large </a:t>
+            </a:r>
+          </a:p>
+          <a:p>
+            <a:r>
+              <a:rPr lang="en-US" dirty="0" smtClean="0"/>
+              <a:t>Parallelizing can lead to speed ups and MFMC solutions for large graphs that do not fit in memory </a:t>
+            </a:r>
           </a:p>
           <a:p>
             <a:pPr>
               <a:buNone/>
             </a:pPr>
-            <a:endParaRPr lang="en-US" smtClean="0"/>
-          </a:p>
-          <a:p>
             <a:r>
               <a:rPr lang="en-US" dirty="0" smtClean="0"/>
-              <a:t>Using MPI </a:t>
-            </a:r>
+              <a:t> </a:t>
+            </a:r>
+          </a:p>
+          <a:p>
+            <a:endParaRPr lang="en-US" dirty="0"/>
+          </a:p>
+        </p:txBody>
+      </p:sp>
+      <p:pic>
+        <p:nvPicPr>
+          <p:cNvPr id="4" name="Picture 3"/>
+          <p:cNvPicPr>
+            <a:picLocks noChangeAspect="1"/>
+          </p:cNvPicPr>
+          <p:nvPr/>
+        </p:nvPicPr>
+        <p:blipFill>
+          <a:blip r:embed="rId2"/>
+          <a:stretch>
+            <a:fillRect/>
+          </a:stretch>
+        </p:blipFill>
+        <p:spPr>
+          <a:xfrm>
+            <a:off x="153687" y="4510036"/>
+            <a:ext cx="4761214" cy="1962039"/>
+          </a:xfrm>
+          <a:prstGeom prst="rect">
+            <a:avLst/>
+          </a:prstGeom>
+        </p:spPr>
+      </p:pic>
+      <p:pic>
+        <p:nvPicPr>
+          <p:cNvPr id="8" name="Picture 2"/>
+          <p:cNvPicPr>
+            <a:picLocks noChangeAspect="1" noChangeArrowheads="1"/>
+          </p:cNvPicPr>
+          <p:nvPr/>
+        </p:nvPicPr>
+        <p:blipFill>
+          <a:blip r:embed="rId3"/>
+          <a:srcRect/>
+          <a:stretch>
+            <a:fillRect/>
+          </a:stretch>
+        </p:blipFill>
+        <p:spPr bwMode="auto">
+          <a:xfrm>
+            <a:off x="6985000" y="4415858"/>
+            <a:ext cx="1928813" cy="1934141"/>
+          </a:xfrm>
+          <a:prstGeom prst="rect">
+            <a:avLst/>
+          </a:prstGeom>
+          <a:noFill/>
+          <a:ln w="9525">
+            <a:noFill/>
+            <a:miter lim="800000"/>
+            <a:headEnd/>
+            <a:tailEnd/>
+          </a:ln>
+          <a:effectLst/>
+        </p:spPr>
+      </p:pic>
+      <p:pic>
+        <p:nvPicPr>
+          <p:cNvPr id="19459" name="Picture 3"/>
+          <p:cNvPicPr>
+            <a:picLocks noChangeAspect="1" noChangeArrowheads="1"/>
+          </p:cNvPicPr>
+          <p:nvPr/>
+        </p:nvPicPr>
+        <p:blipFill>
+          <a:blip r:embed="rId4"/>
+          <a:srcRect/>
+          <a:stretch>
+            <a:fillRect/>
+          </a:stretch>
+        </p:blipFill>
+        <p:spPr bwMode="auto">
+          <a:xfrm>
+            <a:off x="5194135" y="3887788"/>
+            <a:ext cx="1473200" cy="1909763"/>
+          </a:xfrm>
+          <a:prstGeom prst="rect">
+            <a:avLst/>
+          </a:prstGeom>
+          <a:noFill/>
+          <a:ln w="9525">
+            <a:noFill/>
+            <a:miter lim="800000"/>
+            <a:headEnd/>
+            <a:tailEnd/>
+          </a:ln>
+          <a:effectLst/>
+        </p:spPr>
+      </p:pic>
+    </p:spTree>
+  </p:cSld>
+  <p:clrMapOvr>
+    <a:masterClrMapping/>
+  </p:clrMapOvr>
+</p:sld>
+</file>
+
+<file path=ppt/slides/slide4.xml><?xml version="1.0" encoding="utf-8"?>
+<p:sld xmlns:a="http://schemas.openxmlformats.org/drawingml/2006/main" xmlns:r="http://schemas.openxmlformats.org/officeDocument/2006/relationships" xmlns:mc="http://schemas.openxmlformats.org/markup-compatibility/2006" xmlns:mv="urn:schemas-microsoft-com:mac:vml" xmlns:p="http://schemas.openxmlformats.org/presentationml/2006/main" mc:Ignorable="mv" mc:PreserveAttributes="mv:*">
+  <p:cSld>
+    <p:spTree>
+      <p:nvGrpSpPr>
+        <p:cNvPr id="1" name=""/>
+        <p:cNvGrpSpPr/>
+        <p:nvPr/>
+      </p:nvGrpSpPr>
+      <p:grpSpPr>
+        <a:xfrm>
+          <a:off x="0" y="0"/>
+          <a:ext cx="0" cy="0"/>
+          <a:chOff x="0" y="0"/>
+          <a:chExt cx="0" cy="0"/>
+        </a:xfrm>
+      </p:grpSpPr>
+      <p:sp>
+        <p:nvSpPr>
+          <p:cNvPr id="3" name="Title 2"/>
+          <p:cNvSpPr>
+            <a:spLocks noGrp="1"/>
+          </p:cNvSpPr>
+          <p:nvPr>
+            <p:ph type="title"/>
+          </p:nvPr>
+        </p:nvSpPr>
+        <p:spPr>
+          <a:xfrm>
+            <a:off x="0" y="380806"/>
+            <a:ext cx="8913813" cy="914400"/>
+          </a:xfrm>
+        </p:spPr>
+        <p:txBody>
+          <a:bodyPr/>
+          <a:lstStyle/>
+          <a:p>
+            <a:r>
+              <a:rPr lang="en-US" dirty="0" smtClean="0"/>
+              <a:t>Parallelizing Max-Flow  </a:t>
+            </a:r>
+            <a:endParaRPr lang="en-US" dirty="0"/>
+          </a:p>
+        </p:txBody>
+      </p:sp>
+      <p:sp>
+        <p:nvSpPr>
+          <p:cNvPr id="2" name="Content Placeholder 1"/>
+          <p:cNvSpPr>
+            <a:spLocks noGrp="1"/>
+          </p:cNvSpPr>
+          <p:nvPr>
+            <p:ph idx="1"/>
+          </p:nvPr>
+        </p:nvSpPr>
+        <p:spPr>
+          <a:xfrm>
+            <a:off x="844191" y="1769806"/>
+            <a:ext cx="5099409" cy="4300794"/>
+          </a:xfrm>
+        </p:spPr>
+        <p:txBody>
+          <a:bodyPr>
+            <a:normAutofit lnSpcReduction="10000"/>
+          </a:bodyPr>
+          <a:lstStyle/>
+          <a:p>
+            <a:r>
+              <a:rPr lang="en-US" dirty="0" smtClean="0"/>
+              <a:t>Major Challenges of Parallelization</a:t>
+            </a:r>
+            <a:r>
+              <a:rPr lang="en-US" dirty="0" smtClean="0"/>
+              <a:t>:</a:t>
+            </a:r>
+          </a:p>
+          <a:p>
+            <a:pPr lvl="1"/>
+            <a:r>
+              <a:rPr lang="en-US" dirty="0" smtClean="0"/>
+              <a:t>Deconstructing and reconstructing graph </a:t>
+            </a:r>
+          </a:p>
+          <a:p>
+            <a:pPr lvl="1">
+              <a:buNone/>
+            </a:pPr>
+            <a:endParaRPr lang="en-US" dirty="0" smtClean="0"/>
+          </a:p>
+          <a:p>
+            <a:pPr lvl="1"/>
+            <a:r>
+              <a:rPr lang="en-US" dirty="0" smtClean="0"/>
+              <a:t>Avoidin</a:t>
+            </a:r>
+            <a:r>
+              <a:rPr lang="en-US" dirty="0" smtClean="0"/>
+              <a:t>g capacity constraint violation from multiple updates</a:t>
+            </a:r>
+          </a:p>
+          <a:p>
+            <a:pPr lvl="1">
+              <a:buNone/>
+            </a:pPr>
+            <a:endParaRPr lang="en-US" dirty="0" smtClean="0"/>
+          </a:p>
+          <a:p>
+            <a:pPr lvl="1"/>
+            <a:r>
+              <a:rPr lang="en-US" dirty="0" smtClean="0"/>
+              <a:t>Finding </a:t>
+            </a:r>
+            <a:r>
+              <a:rPr lang="en-US" dirty="0" smtClean="0"/>
+              <a:t>augmenting paths from the source to the sink without giving each processor a complete view of the </a:t>
+            </a:r>
+            <a:r>
+              <a:rPr lang="en-US" dirty="0" smtClean="0"/>
+              <a:t>graph</a:t>
+            </a:r>
+          </a:p>
+          <a:p>
+            <a:pPr lvl="1">
+              <a:buNone/>
+            </a:pPr>
+            <a:endParaRPr lang="en-US" dirty="0" smtClean="0"/>
+          </a:p>
+          <a:p>
+            <a:pPr lvl="1"/>
+            <a:r>
+              <a:rPr lang="en-US" dirty="0" smtClean="0"/>
+              <a:t>Maintaining a high level of parallelizable </a:t>
+            </a:r>
+            <a:r>
+              <a:rPr lang="en-US" dirty="0" smtClean="0"/>
+              <a:t>computation</a:t>
+            </a:r>
+          </a:p>
+          <a:p>
+            <a:pPr lvl="1"/>
+            <a:endParaRPr lang="en-US" dirty="0" smtClean="0"/>
+          </a:p>
+          <a:p>
+            <a:pPr lvl="1"/>
+            <a:endParaRPr lang="en-US" dirty="0" smtClean="0"/>
+          </a:p>
+          <a:p>
+            <a:endParaRPr lang="en-US" dirty="0"/>
+          </a:p>
+        </p:txBody>
+      </p:sp>
+      <p:pic>
+        <p:nvPicPr>
+          <p:cNvPr id="20482" name="Picture 2"/>
+          <p:cNvPicPr>
+            <a:picLocks noChangeAspect="1" noChangeArrowheads="1"/>
+          </p:cNvPicPr>
+          <p:nvPr/>
+        </p:nvPicPr>
+        <p:blipFill>
+          <a:blip r:embed="rId2"/>
+          <a:srcRect/>
+          <a:stretch>
+            <a:fillRect/>
+          </a:stretch>
+        </p:blipFill>
+        <p:spPr bwMode="auto">
+          <a:xfrm>
+            <a:off x="6241334" y="2404806"/>
+            <a:ext cx="2213333" cy="2864975"/>
+          </a:xfrm>
+          <a:prstGeom prst="rect">
+            <a:avLst/>
+          </a:prstGeom>
+          <a:noFill/>
+          <a:ln w="9525">
+            <a:noFill/>
+            <a:miter lim="800000"/>
+            <a:headEnd/>
+            <a:tailEnd/>
+          </a:ln>
+          <a:effectLst/>
+        </p:spPr>
+      </p:pic>
+    </p:spTree>
+  </p:cSld>
+  <p:clrMapOvr>
+    <a:masterClrMapping/>
+  </p:clrMapOvr>
+</p:sld>
+</file>
+
+<file path=ppt/slides/slide5.xml><?xml version="1.0" encoding="utf-8"?>
+<p:sld xmlns:a="http://schemas.openxmlformats.org/drawingml/2006/main" xmlns:r="http://schemas.openxmlformats.org/officeDocument/2006/relationships" xmlns:mc="http://schemas.openxmlformats.org/markup-compatibility/2006" xmlns:mv="urn:schemas-microsoft-com:mac:vml" xmlns:p="http://schemas.openxmlformats.org/presentationml/2006/main" mc:Ignorable="mv" mc:PreserveAttributes="mv:*">
+  <p:cSld>
+    <p:spTree>
+      <p:nvGrpSpPr>
+        <p:cNvPr id="1" name=""/>
+        <p:cNvGrpSpPr/>
+        <p:nvPr/>
+      </p:nvGrpSpPr>
+      <p:grpSpPr>
+        <a:xfrm>
+          <a:off x="0" y="0"/>
+          <a:ext cx="0" cy="0"/>
+          <a:chOff x="0" y="0"/>
+          <a:chExt cx="0" cy="0"/>
+        </a:xfrm>
+      </p:grpSpPr>
+      <p:sp>
+        <p:nvSpPr>
+          <p:cNvPr id="3" name="Title 2"/>
+          <p:cNvSpPr>
+            <a:spLocks noGrp="1"/>
+          </p:cNvSpPr>
+          <p:nvPr>
+            <p:ph type="title"/>
+          </p:nvPr>
+        </p:nvSpPr>
+        <p:spPr>
+          <a:xfrm>
+            <a:off x="0" y="380806"/>
+            <a:ext cx="8913813" cy="914400"/>
+          </a:xfrm>
+        </p:spPr>
+        <p:txBody>
+          <a:bodyPr/>
+          <a:lstStyle/>
+          <a:p>
+            <a:r>
+              <a:rPr lang="en-US" dirty="0" smtClean="0"/>
+              <a:t>Image Segmentation </a:t>
+            </a:r>
+            <a:endParaRPr lang="en-US" dirty="0"/>
+          </a:p>
+        </p:txBody>
+      </p:sp>
+      <p:sp>
+        <p:nvSpPr>
+          <p:cNvPr id="2" name="Content Placeholder 1"/>
+          <p:cNvSpPr>
+            <a:spLocks noGrp="1"/>
+          </p:cNvSpPr>
+          <p:nvPr>
+            <p:ph idx="1"/>
+          </p:nvPr>
+        </p:nvSpPr>
+        <p:spPr>
+          <a:xfrm>
+            <a:off x="844191" y="1769806"/>
+            <a:ext cx="7610476" cy="3670767"/>
+          </a:xfrm>
+        </p:spPr>
+        <p:txBody>
+          <a:bodyPr/>
+          <a:lstStyle/>
+          <a:p>
+            <a:r>
+              <a:rPr lang="en-US" dirty="0" smtClean="0"/>
+              <a:t>Selection problems</a:t>
+            </a:r>
+          </a:p>
+          <a:p>
+            <a:r>
+              <a:rPr lang="en-US" dirty="0" smtClean="0"/>
+              <a:t>Scheduling</a:t>
+            </a:r>
+          </a:p>
+          <a:p>
+            <a:r>
+              <a:rPr lang="en-US" dirty="0" smtClean="0"/>
+              <a:t>Finding Nash Equilibrium</a:t>
+            </a:r>
+          </a:p>
+          <a:p>
+            <a:r>
+              <a:rPr lang="en-US" sz="2800" b="1" dirty="0" smtClean="0"/>
+              <a:t>Image Segmentation ! </a:t>
+            </a:r>
+          </a:p>
+          <a:p>
             <a:endParaRPr lang="en-US" dirty="0"/>
           </a:p>
         </p:txBody>
